--- a/DotNet.MCP/Docs/MCP_presentation.pptx
+++ b/DotNet.MCP/Docs/MCP_presentation.pptx
@@ -2793,7 +2793,7 @@
           </a:ln>
           <a:extLst>
             <a:ext uri="{C572A759-6A51-4108-AA02-DFA0A04FC94B}">
-              <ma14:wrappingTextBoxFlag xmlns:m="http://schemas.openxmlformats.org/officeDocument/2006/math" xmlns:a14="http://schemas.microsoft.com/office/drawing/2010/main" xmlns:ma14="http://schemas.microsoft.com/office/mac/drawingml/2011/main" xmlns="" val="1"/>
+              <ma14:wrappingTextBoxFlag xmlns="" xmlns:ma14="http://schemas.microsoft.com/office/mac/drawingml/2011/main" xmlns:a14="http://schemas.microsoft.com/office/drawing/2010/main" xmlns:m="http://schemas.openxmlformats.org/officeDocument/2006/math" val="1"/>
             </a:ext>
           </a:extLst>
         </p:spPr>
@@ -2875,7 +2875,7 @@
           </a:ln>
           <a:extLst>
             <a:ext uri="{C572A759-6A51-4108-AA02-DFA0A04FC94B}">
-              <ma14:wrappingTextBoxFlag xmlns:m="http://schemas.openxmlformats.org/officeDocument/2006/math" xmlns:a14="http://schemas.microsoft.com/office/drawing/2010/main" xmlns:ma14="http://schemas.microsoft.com/office/mac/drawingml/2011/main" xmlns="" val="1"/>
+              <ma14:wrappingTextBoxFlag xmlns="" xmlns:ma14="http://schemas.microsoft.com/office/mac/drawingml/2011/main" xmlns:a14="http://schemas.microsoft.com/office/drawing/2010/main" xmlns:m="http://schemas.openxmlformats.org/officeDocument/2006/math" val="1"/>
             </a:ext>
           </a:extLst>
         </p:spPr>
@@ -3443,7 +3443,7 @@
           </a:ln>
           <a:extLst>
             <a:ext uri="{C572A759-6A51-4108-AA02-DFA0A04FC94B}">
-              <ma14:wrappingTextBoxFlag xmlns:m="http://schemas.openxmlformats.org/officeDocument/2006/math" xmlns:a14="http://schemas.microsoft.com/office/drawing/2010/main" xmlns:ma14="http://schemas.microsoft.com/office/mac/drawingml/2011/main" xmlns="" val="1"/>
+              <ma14:wrappingTextBoxFlag xmlns="" xmlns:ma14="http://schemas.microsoft.com/office/mac/drawingml/2011/main" xmlns:a14="http://schemas.microsoft.com/office/drawing/2010/main" xmlns:m="http://schemas.openxmlformats.org/officeDocument/2006/math" val="1"/>
             </a:ext>
           </a:extLst>
         </p:spPr>
@@ -3721,7 +3721,7 @@
           </a:ln>
           <a:extLst>
             <a:ext uri="{C572A759-6A51-4108-AA02-DFA0A04FC94B}">
-              <ma14:wrappingTextBoxFlag xmlns:m="http://schemas.openxmlformats.org/officeDocument/2006/math" xmlns:a14="http://schemas.microsoft.com/office/drawing/2010/main" xmlns:ma14="http://schemas.microsoft.com/office/mac/drawingml/2011/main" xmlns="" val="1"/>
+              <ma14:wrappingTextBoxFlag xmlns="" xmlns:ma14="http://schemas.microsoft.com/office/mac/drawingml/2011/main" xmlns:a14="http://schemas.microsoft.com/office/drawing/2010/main" xmlns:m="http://schemas.openxmlformats.org/officeDocument/2006/math" val="1"/>
             </a:ext>
           </a:extLst>
         </p:spPr>
@@ -3768,7 +3768,7 @@
           </a:ln>
           <a:extLst>
             <a:ext uri="{C572A759-6A51-4108-AA02-DFA0A04FC94B}">
-              <ma14:wrappingTextBoxFlag xmlns:m="http://schemas.openxmlformats.org/officeDocument/2006/math" xmlns:a14="http://schemas.microsoft.com/office/drawing/2010/main" xmlns:ma14="http://schemas.microsoft.com/office/mac/drawingml/2011/main" xmlns="" val="1"/>
+              <ma14:wrappingTextBoxFlag xmlns="" xmlns:ma14="http://schemas.microsoft.com/office/mac/drawingml/2011/main" xmlns:a14="http://schemas.microsoft.com/office/drawing/2010/main" xmlns:m="http://schemas.openxmlformats.org/officeDocument/2006/math" val="1"/>
             </a:ext>
           </a:extLst>
         </p:spPr>
@@ -3948,7 +3948,7 @@
           </a:ln>
           <a:extLst>
             <a:ext uri="{C572A759-6A51-4108-AA02-DFA0A04FC94B}">
-              <ma14:wrappingTextBoxFlag xmlns:ma14="http://schemas.microsoft.com/office/mac/drawingml/2011/main" xmlns:a14="http://schemas.microsoft.com/office/drawing/2010/main" xmlns:m="http://schemas.openxmlformats.org/officeDocument/2006/math" xmlns="" val="1"/>
+              <ma14:wrappingTextBoxFlag xmlns="" xmlns:m="http://schemas.openxmlformats.org/officeDocument/2006/math" xmlns:a14="http://schemas.microsoft.com/office/drawing/2010/main" xmlns:ma14="http://schemas.microsoft.com/office/mac/drawingml/2011/main" val="1"/>
             </a:ext>
           </a:extLst>
         </p:spPr>
@@ -4121,7 +4121,7 @@
           </a:ln>
           <a:extLst>
             <a:ext uri="{C572A759-6A51-4108-AA02-DFA0A04FC94B}">
-              <ma14:wrappingTextBoxFlag xmlns:m="http://schemas.openxmlformats.org/officeDocument/2006/math" xmlns:a14="http://schemas.microsoft.com/office/drawing/2010/main" xmlns:ma14="http://schemas.microsoft.com/office/mac/drawingml/2011/main" xmlns="" val="1"/>
+              <ma14:wrappingTextBoxFlag xmlns="" xmlns:ma14="http://schemas.microsoft.com/office/mac/drawingml/2011/main" xmlns:a14="http://schemas.microsoft.com/office/drawing/2010/main" xmlns:m="http://schemas.openxmlformats.org/officeDocument/2006/math" val="1"/>
             </a:ext>
           </a:extLst>
         </p:spPr>
@@ -4161,7 +4161,7 @@
           </a:ln>
           <a:extLst>
             <a:ext uri="{C572A759-6A51-4108-AA02-DFA0A04FC94B}">
-              <ma14:wrappingTextBoxFlag xmlns:m="http://schemas.openxmlformats.org/officeDocument/2006/math" xmlns:a14="http://schemas.microsoft.com/office/drawing/2010/main" xmlns:ma14="http://schemas.microsoft.com/office/mac/drawingml/2011/main" xmlns="" val="1"/>
+              <ma14:wrappingTextBoxFlag xmlns="" xmlns:ma14="http://schemas.microsoft.com/office/mac/drawingml/2011/main" xmlns:a14="http://schemas.microsoft.com/office/drawing/2010/main" xmlns:m="http://schemas.openxmlformats.org/officeDocument/2006/math" val="1"/>
             </a:ext>
           </a:extLst>
         </p:spPr>
@@ -5170,7 +5170,7 @@
           </a:solidFill>
           <a:extLst>
             <a:ext uri="{C572A759-6A51-4108-AA02-DFA0A04FC94B}">
-              <ma14:wrappingTextBoxFlag xmlns:ma14="http://schemas.microsoft.com/office/mac/drawingml/2011/main" xmlns:a14="http://schemas.microsoft.com/office/drawing/2010/main" xmlns:m="http://schemas.openxmlformats.org/officeDocument/2006/math" xmlns="" val="1"/>
+              <ma14:wrappingTextBoxFlag xmlns="" xmlns:m="http://schemas.openxmlformats.org/officeDocument/2006/math" xmlns:a14="http://schemas.microsoft.com/office/drawing/2010/main" xmlns:ma14="http://schemas.microsoft.com/office/mac/drawingml/2011/main" val="1"/>
             </a:ext>
           </a:extLst>
         </p:spPr>
@@ -5252,7 +5252,7 @@
           </a:ln>
           <a:extLst>
             <a:ext uri="{C572A759-6A51-4108-AA02-DFA0A04FC94B}">
-              <ma14:wrappingTextBoxFlag xmlns:ma14="http://schemas.microsoft.com/office/mac/drawingml/2011/main" xmlns:a14="http://schemas.microsoft.com/office/drawing/2010/main" xmlns:m="http://schemas.openxmlformats.org/officeDocument/2006/math" xmlns="" val="1"/>
+              <ma14:wrappingTextBoxFlag xmlns="" xmlns:m="http://schemas.openxmlformats.org/officeDocument/2006/math" xmlns:a14="http://schemas.microsoft.com/office/drawing/2010/main" xmlns:ma14="http://schemas.microsoft.com/office/mac/drawingml/2011/main" val="1"/>
             </a:ext>
           </a:extLst>
         </p:spPr>
@@ -5322,7 +5322,7 @@
           </a:ln>
           <a:extLst>
             <a:ext uri="{C572A759-6A51-4108-AA02-DFA0A04FC94B}">
-              <ma14:wrappingTextBoxFlag xmlns="" xmlns:m="http://schemas.openxmlformats.org/officeDocument/2006/math" xmlns:a14="http://schemas.microsoft.com/office/drawing/2010/main" xmlns:ma14="http://schemas.microsoft.com/office/mac/drawingml/2011/main" val="1"/>
+              <ma14:wrappingTextBoxFlag xmlns:ma14="http://schemas.microsoft.com/office/mac/drawingml/2011/main" xmlns:a14="http://schemas.microsoft.com/office/drawing/2010/main" xmlns:m="http://schemas.openxmlformats.org/officeDocument/2006/math" xmlns="" val="1"/>
             </a:ext>
           </a:extLst>
         </p:spPr>
@@ -5629,7 +5629,7 @@
           </a:solidFill>
           <a:extLst>
             <a:ext uri="{C572A759-6A51-4108-AA02-DFA0A04FC94B}">
-              <ma14:wrappingTextBoxFlag xmlns:ma14="http://schemas.microsoft.com/office/mac/drawingml/2011/main" xmlns:a14="http://schemas.microsoft.com/office/drawing/2010/main" xmlns:m="http://schemas.openxmlformats.org/officeDocument/2006/math" xmlns="" val="1"/>
+              <ma14:wrappingTextBoxFlag xmlns="" xmlns:m="http://schemas.openxmlformats.org/officeDocument/2006/math" xmlns:a14="http://schemas.microsoft.com/office/drawing/2010/main" xmlns:ma14="http://schemas.microsoft.com/office/mac/drawingml/2011/main" val="1"/>
             </a:ext>
           </a:extLst>
         </p:spPr>
@@ -5711,7 +5711,7 @@
           </a:ln>
           <a:extLst>
             <a:ext uri="{C572A759-6A51-4108-AA02-DFA0A04FC94B}">
-              <ma14:wrappingTextBoxFlag xmlns:ma14="http://schemas.microsoft.com/office/mac/drawingml/2011/main" xmlns:a14="http://schemas.microsoft.com/office/drawing/2010/main" xmlns:m="http://schemas.openxmlformats.org/officeDocument/2006/math" xmlns="" val="1"/>
+              <ma14:wrappingTextBoxFlag xmlns="" xmlns:m="http://schemas.openxmlformats.org/officeDocument/2006/math" xmlns:a14="http://schemas.microsoft.com/office/drawing/2010/main" xmlns:ma14="http://schemas.microsoft.com/office/mac/drawingml/2011/main" val="1"/>
             </a:ext>
           </a:extLst>
         </p:spPr>
@@ -5781,7 +5781,7 @@
           </a:ln>
           <a:extLst>
             <a:ext uri="{C572A759-6A51-4108-AA02-DFA0A04FC94B}">
-              <ma14:wrappingTextBoxFlag xmlns="" xmlns:m="http://schemas.openxmlformats.org/officeDocument/2006/math" xmlns:a14="http://schemas.microsoft.com/office/drawing/2010/main" xmlns:ma14="http://schemas.microsoft.com/office/mac/drawingml/2011/main" val="1"/>
+              <ma14:wrappingTextBoxFlag xmlns:ma14="http://schemas.microsoft.com/office/mac/drawingml/2011/main" xmlns:a14="http://schemas.microsoft.com/office/drawing/2010/main" xmlns:m="http://schemas.openxmlformats.org/officeDocument/2006/math" xmlns="" val="1"/>
             </a:ext>
           </a:extLst>
         </p:spPr>
@@ -6094,7 +6094,7 @@
           </a:solidFill>
           <a:extLst>
             <a:ext uri="{C572A759-6A51-4108-AA02-DFA0A04FC94B}">
-              <ma14:wrappingTextBoxFlag xmlns:ma14="http://schemas.microsoft.com/office/mac/drawingml/2011/main" xmlns:a14="http://schemas.microsoft.com/office/drawing/2010/main" xmlns:m="http://schemas.openxmlformats.org/officeDocument/2006/math" xmlns="" val="1"/>
+              <ma14:wrappingTextBoxFlag xmlns="" xmlns:m="http://schemas.openxmlformats.org/officeDocument/2006/math" xmlns:a14="http://schemas.microsoft.com/office/drawing/2010/main" xmlns:ma14="http://schemas.microsoft.com/office/mac/drawingml/2011/main" val="1"/>
             </a:ext>
           </a:extLst>
         </p:spPr>
@@ -6135,7 +6135,7 @@
           </a:ln>
           <a:extLst>
             <a:ext uri="{C572A759-6A51-4108-AA02-DFA0A04FC94B}">
-              <ma14:wrappingTextBoxFlag xmlns:ma14="http://schemas.microsoft.com/office/mac/drawingml/2011/main" xmlns:a14="http://schemas.microsoft.com/office/drawing/2010/main" xmlns:m="http://schemas.openxmlformats.org/officeDocument/2006/math" xmlns="" val="1"/>
+              <ma14:wrappingTextBoxFlag xmlns="" xmlns:m="http://schemas.openxmlformats.org/officeDocument/2006/math" xmlns:a14="http://schemas.microsoft.com/office/drawing/2010/main" xmlns:ma14="http://schemas.microsoft.com/office/mac/drawingml/2011/main" val="1"/>
             </a:ext>
           </a:extLst>
         </p:spPr>
@@ -6205,7 +6205,7 @@
           </a:ln>
           <a:extLst>
             <a:ext uri="{C572A759-6A51-4108-AA02-DFA0A04FC94B}">
-              <ma14:wrappingTextBoxFlag xmlns="" xmlns:m="http://schemas.openxmlformats.org/officeDocument/2006/math" xmlns:a14="http://schemas.microsoft.com/office/drawing/2010/main" xmlns:ma14="http://schemas.microsoft.com/office/mac/drawingml/2011/main" val="1"/>
+              <ma14:wrappingTextBoxFlag xmlns:ma14="http://schemas.microsoft.com/office/mac/drawingml/2011/main" xmlns:a14="http://schemas.microsoft.com/office/drawing/2010/main" xmlns:m="http://schemas.openxmlformats.org/officeDocument/2006/math" xmlns="" val="1"/>
             </a:ext>
           </a:extLst>
         </p:spPr>
@@ -6429,7 +6429,7 @@
           </a:solidFill>
           <a:extLst>
             <a:ext uri="{C572A759-6A51-4108-AA02-DFA0A04FC94B}">
-              <ma14:wrappingTextBoxFlag xmlns:ma14="http://schemas.microsoft.com/office/mac/drawingml/2011/main" xmlns:a14="http://schemas.microsoft.com/office/drawing/2010/main" xmlns:m="http://schemas.openxmlformats.org/officeDocument/2006/math" xmlns="" val="1"/>
+              <ma14:wrappingTextBoxFlag xmlns="" xmlns:m="http://schemas.openxmlformats.org/officeDocument/2006/math" xmlns:a14="http://schemas.microsoft.com/office/drawing/2010/main" xmlns:ma14="http://schemas.microsoft.com/office/mac/drawingml/2011/main" val="1"/>
             </a:ext>
           </a:extLst>
         </p:spPr>
@@ -6470,7 +6470,7 @@
           </a:ln>
           <a:extLst>
             <a:ext uri="{C572A759-6A51-4108-AA02-DFA0A04FC94B}">
-              <ma14:wrappingTextBoxFlag xmlns:ma14="http://schemas.microsoft.com/office/mac/drawingml/2011/main" xmlns:a14="http://schemas.microsoft.com/office/drawing/2010/main" xmlns:m="http://schemas.openxmlformats.org/officeDocument/2006/math" xmlns="" val="1"/>
+              <ma14:wrappingTextBoxFlag xmlns="" xmlns:m="http://schemas.openxmlformats.org/officeDocument/2006/math" xmlns:a14="http://schemas.microsoft.com/office/drawing/2010/main" xmlns:ma14="http://schemas.microsoft.com/office/mac/drawingml/2011/main" val="1"/>
             </a:ext>
           </a:extLst>
         </p:spPr>
@@ -6540,7 +6540,7 @@
           </a:ln>
           <a:extLst>
             <a:ext uri="{C572A759-6A51-4108-AA02-DFA0A04FC94B}">
-              <ma14:wrappingTextBoxFlag xmlns="" xmlns:m="http://schemas.openxmlformats.org/officeDocument/2006/math" xmlns:a14="http://schemas.microsoft.com/office/drawing/2010/main" xmlns:ma14="http://schemas.microsoft.com/office/mac/drawingml/2011/main" val="1"/>
+              <ma14:wrappingTextBoxFlag xmlns:ma14="http://schemas.microsoft.com/office/mac/drawingml/2011/main" xmlns:a14="http://schemas.microsoft.com/office/drawing/2010/main" xmlns:m="http://schemas.openxmlformats.org/officeDocument/2006/math" xmlns="" val="1"/>
             </a:ext>
           </a:extLst>
         </p:spPr>
@@ -6858,7 +6858,7 @@
           </a:solidFill>
           <a:extLst>
             <a:ext uri="{C572A759-6A51-4108-AA02-DFA0A04FC94B}">
-              <ma14:wrappingTextBoxFlag xmlns:ma14="http://schemas.microsoft.com/office/mac/drawingml/2011/main" xmlns:a14="http://schemas.microsoft.com/office/drawing/2010/main" xmlns:m="http://schemas.openxmlformats.org/officeDocument/2006/math" xmlns="" val="1"/>
+              <ma14:wrappingTextBoxFlag xmlns="" xmlns:m="http://schemas.openxmlformats.org/officeDocument/2006/math" xmlns:a14="http://schemas.microsoft.com/office/drawing/2010/main" xmlns:ma14="http://schemas.microsoft.com/office/mac/drawingml/2011/main" val="1"/>
             </a:ext>
           </a:extLst>
         </p:spPr>
@@ -6899,7 +6899,7 @@
           </a:ln>
           <a:extLst>
             <a:ext uri="{C572A759-6A51-4108-AA02-DFA0A04FC94B}">
-              <ma14:wrappingTextBoxFlag xmlns:ma14="http://schemas.microsoft.com/office/mac/drawingml/2011/main" xmlns:a14="http://schemas.microsoft.com/office/drawing/2010/main" xmlns:m="http://schemas.openxmlformats.org/officeDocument/2006/math" xmlns="" val="1"/>
+              <ma14:wrappingTextBoxFlag xmlns="" xmlns:m="http://schemas.openxmlformats.org/officeDocument/2006/math" xmlns:a14="http://schemas.microsoft.com/office/drawing/2010/main" xmlns:ma14="http://schemas.microsoft.com/office/mac/drawingml/2011/main" val="1"/>
             </a:ext>
           </a:extLst>
         </p:spPr>
@@ -6969,7 +6969,7 @@
           </a:ln>
           <a:extLst>
             <a:ext uri="{C572A759-6A51-4108-AA02-DFA0A04FC94B}">
-              <ma14:wrappingTextBoxFlag xmlns="" xmlns:m="http://schemas.openxmlformats.org/officeDocument/2006/math" xmlns:a14="http://schemas.microsoft.com/office/drawing/2010/main" xmlns:ma14="http://schemas.microsoft.com/office/mac/drawingml/2011/main" val="1"/>
+              <ma14:wrappingTextBoxFlag xmlns:ma14="http://schemas.microsoft.com/office/mac/drawingml/2011/main" xmlns:a14="http://schemas.microsoft.com/office/drawing/2010/main" xmlns:m="http://schemas.openxmlformats.org/officeDocument/2006/math" xmlns="" val="1"/>
             </a:ext>
           </a:extLst>
         </p:spPr>
@@ -7285,7 +7285,7 @@
           </a:solidFill>
           <a:extLst>
             <a:ext uri="{C572A759-6A51-4108-AA02-DFA0A04FC94B}">
-              <ma14:wrappingTextBoxFlag xmlns:ma14="http://schemas.microsoft.com/office/mac/drawingml/2011/main" xmlns:a14="http://schemas.microsoft.com/office/drawing/2010/main" xmlns:m="http://schemas.openxmlformats.org/officeDocument/2006/math" xmlns="" val="1"/>
+              <ma14:wrappingTextBoxFlag xmlns="" xmlns:m="http://schemas.openxmlformats.org/officeDocument/2006/math" xmlns:a14="http://schemas.microsoft.com/office/drawing/2010/main" xmlns:ma14="http://schemas.microsoft.com/office/mac/drawingml/2011/main" val="1"/>
             </a:ext>
           </a:extLst>
         </p:spPr>
@@ -7326,7 +7326,7 @@
           </a:ln>
           <a:extLst>
             <a:ext uri="{C572A759-6A51-4108-AA02-DFA0A04FC94B}">
-              <ma14:wrappingTextBoxFlag xmlns:ma14="http://schemas.microsoft.com/office/mac/drawingml/2011/main" xmlns:a14="http://schemas.microsoft.com/office/drawing/2010/main" xmlns:m="http://schemas.openxmlformats.org/officeDocument/2006/math" xmlns="" val="1"/>
+              <ma14:wrappingTextBoxFlag xmlns="" xmlns:m="http://schemas.openxmlformats.org/officeDocument/2006/math" xmlns:a14="http://schemas.microsoft.com/office/drawing/2010/main" xmlns:ma14="http://schemas.microsoft.com/office/mac/drawingml/2011/main" val="1"/>
             </a:ext>
           </a:extLst>
         </p:spPr>
@@ -7396,7 +7396,7 @@
           </a:ln>
           <a:extLst>
             <a:ext uri="{C572A759-6A51-4108-AA02-DFA0A04FC94B}">
-              <ma14:wrappingTextBoxFlag xmlns="" xmlns:m="http://schemas.openxmlformats.org/officeDocument/2006/math" xmlns:a14="http://schemas.microsoft.com/office/drawing/2010/main" xmlns:ma14="http://schemas.microsoft.com/office/mac/drawingml/2011/main" val="1"/>
+              <ma14:wrappingTextBoxFlag xmlns:ma14="http://schemas.microsoft.com/office/mac/drawingml/2011/main" xmlns:a14="http://schemas.microsoft.com/office/drawing/2010/main" xmlns:m="http://schemas.openxmlformats.org/officeDocument/2006/math" xmlns="" val="1"/>
             </a:ext>
           </a:extLst>
         </p:spPr>
@@ -7705,7 +7705,7 @@
           </a:solidFill>
           <a:extLst>
             <a:ext uri="{C572A759-6A51-4108-AA02-DFA0A04FC94B}">
-              <ma14:wrappingTextBoxFlag xmlns:ma14="http://schemas.microsoft.com/office/mac/drawingml/2011/main" xmlns:a14="http://schemas.microsoft.com/office/drawing/2010/main" xmlns:m="http://schemas.openxmlformats.org/officeDocument/2006/math" xmlns="" val="1"/>
+              <ma14:wrappingTextBoxFlag xmlns="" xmlns:m="http://schemas.openxmlformats.org/officeDocument/2006/math" xmlns:a14="http://schemas.microsoft.com/office/drawing/2010/main" xmlns:ma14="http://schemas.microsoft.com/office/mac/drawingml/2011/main" val="1"/>
             </a:ext>
           </a:extLst>
         </p:spPr>
@@ -7746,7 +7746,7 @@
           </a:ln>
           <a:extLst>
             <a:ext uri="{C572A759-6A51-4108-AA02-DFA0A04FC94B}">
-              <ma14:wrappingTextBoxFlag xmlns:ma14="http://schemas.microsoft.com/office/mac/drawingml/2011/main" xmlns:a14="http://schemas.microsoft.com/office/drawing/2010/main" xmlns:m="http://schemas.openxmlformats.org/officeDocument/2006/math" xmlns="" val="1"/>
+              <ma14:wrappingTextBoxFlag xmlns="" xmlns:m="http://schemas.openxmlformats.org/officeDocument/2006/math" xmlns:a14="http://schemas.microsoft.com/office/drawing/2010/main" xmlns:ma14="http://schemas.microsoft.com/office/mac/drawingml/2011/main" val="1"/>
             </a:ext>
           </a:extLst>
         </p:spPr>
@@ -7816,7 +7816,7 @@
           </a:ln>
           <a:extLst>
             <a:ext uri="{C572A759-6A51-4108-AA02-DFA0A04FC94B}">
-              <ma14:wrappingTextBoxFlag xmlns="" xmlns:m="http://schemas.openxmlformats.org/officeDocument/2006/math" xmlns:a14="http://schemas.microsoft.com/office/drawing/2010/main" xmlns:ma14="http://schemas.microsoft.com/office/mac/drawingml/2011/main" val="1"/>
+              <ma14:wrappingTextBoxFlag xmlns:ma14="http://schemas.microsoft.com/office/mac/drawingml/2011/main" xmlns:a14="http://schemas.microsoft.com/office/drawing/2010/main" xmlns:m="http://schemas.openxmlformats.org/officeDocument/2006/math" xmlns="" val="1"/>
             </a:ext>
           </a:extLst>
         </p:spPr>
@@ -7999,7 +7999,7 @@
           </a:solidFill>
           <a:extLst>
             <a:ext uri="{C572A759-6A51-4108-AA02-DFA0A04FC94B}">
-              <ma14:wrappingTextBoxFlag xmlns:ma14="http://schemas.microsoft.com/office/mac/drawingml/2011/main" xmlns:a14="http://schemas.microsoft.com/office/drawing/2010/main" xmlns:m="http://schemas.openxmlformats.org/officeDocument/2006/math" xmlns="" val="1"/>
+              <ma14:wrappingTextBoxFlag xmlns="" xmlns:m="http://schemas.openxmlformats.org/officeDocument/2006/math" xmlns:a14="http://schemas.microsoft.com/office/drawing/2010/main" xmlns:ma14="http://schemas.microsoft.com/office/mac/drawingml/2011/main" val="1"/>
             </a:ext>
           </a:extLst>
         </p:spPr>
@@ -8040,7 +8040,7 @@
           </a:ln>
           <a:extLst>
             <a:ext uri="{C572A759-6A51-4108-AA02-DFA0A04FC94B}">
-              <ma14:wrappingTextBoxFlag xmlns:ma14="http://schemas.microsoft.com/office/mac/drawingml/2011/main" xmlns:a14="http://schemas.microsoft.com/office/drawing/2010/main" xmlns:m="http://schemas.openxmlformats.org/officeDocument/2006/math" xmlns="" val="1"/>
+              <ma14:wrappingTextBoxFlag xmlns="" xmlns:m="http://schemas.openxmlformats.org/officeDocument/2006/math" xmlns:a14="http://schemas.microsoft.com/office/drawing/2010/main" xmlns:ma14="http://schemas.microsoft.com/office/mac/drawingml/2011/main" val="1"/>
             </a:ext>
           </a:extLst>
         </p:spPr>
@@ -8110,7 +8110,7 @@
           </a:ln>
           <a:extLst>
             <a:ext uri="{C572A759-6A51-4108-AA02-DFA0A04FC94B}">
-              <ma14:wrappingTextBoxFlag xmlns="" xmlns:m="http://schemas.openxmlformats.org/officeDocument/2006/math" xmlns:a14="http://schemas.microsoft.com/office/drawing/2010/main" xmlns:ma14="http://schemas.microsoft.com/office/mac/drawingml/2011/main" val="1"/>
+              <ma14:wrappingTextBoxFlag xmlns:ma14="http://schemas.microsoft.com/office/mac/drawingml/2011/main" xmlns:a14="http://schemas.microsoft.com/office/drawing/2010/main" xmlns:m="http://schemas.openxmlformats.org/officeDocument/2006/math" xmlns="" val="1"/>
             </a:ext>
           </a:extLst>
         </p:spPr>
@@ -8344,7 +8344,7 @@
           </a:prstGeom>
           <a:extLst>
             <a:ext uri="{C572A759-6A51-4108-AA02-DFA0A04FC94B}">
-              <ma14:wrappingTextBoxFlag xmlns:m="http://schemas.openxmlformats.org/officeDocument/2006/math" xmlns:a14="http://schemas.microsoft.com/office/drawing/2010/main" xmlns:ma14="http://schemas.microsoft.com/office/mac/drawingml/2011/main" xmlns="" val="1"/>
+              <ma14:wrappingTextBoxFlag xmlns="" xmlns:ma14="http://schemas.microsoft.com/office/mac/drawingml/2011/main" xmlns:a14="http://schemas.microsoft.com/office/drawing/2010/main" xmlns:m="http://schemas.openxmlformats.org/officeDocument/2006/math" val="1"/>
             </a:ext>
           </a:extLst>
         </p:spPr>
@@ -8379,7 +8379,7 @@
           </a:ln>
           <a:extLst>
             <a:ext uri="{C572A759-6A51-4108-AA02-DFA0A04FC94B}">
-              <ma14:wrappingTextBoxFlag xmlns:m="http://schemas.openxmlformats.org/officeDocument/2006/math" xmlns:a14="http://schemas.microsoft.com/office/drawing/2010/main" xmlns:ma14="http://schemas.microsoft.com/office/mac/drawingml/2011/main" xmlns="" val="1"/>
+              <ma14:wrappingTextBoxFlag xmlns="" xmlns:ma14="http://schemas.microsoft.com/office/mac/drawingml/2011/main" xmlns:a14="http://schemas.microsoft.com/office/drawing/2010/main" xmlns:m="http://schemas.openxmlformats.org/officeDocument/2006/math" val="1"/>
             </a:ext>
           </a:extLst>
         </p:spPr>
@@ -8599,7 +8599,7 @@
           </a:solidFill>
           <a:extLst>
             <a:ext uri="{C572A759-6A51-4108-AA02-DFA0A04FC94B}">
-              <ma14:wrappingTextBoxFlag xmlns:ma14="http://schemas.microsoft.com/office/mac/drawingml/2011/main" xmlns:a14="http://schemas.microsoft.com/office/drawing/2010/main" xmlns:m="http://schemas.openxmlformats.org/officeDocument/2006/math" xmlns="" val="1"/>
+              <ma14:wrappingTextBoxFlag xmlns="" xmlns:m="http://schemas.openxmlformats.org/officeDocument/2006/math" xmlns:a14="http://schemas.microsoft.com/office/drawing/2010/main" xmlns:ma14="http://schemas.microsoft.com/office/mac/drawingml/2011/main" val="1"/>
             </a:ext>
           </a:extLst>
         </p:spPr>
@@ -8640,7 +8640,7 @@
           </a:ln>
           <a:extLst>
             <a:ext uri="{C572A759-6A51-4108-AA02-DFA0A04FC94B}">
-              <ma14:wrappingTextBoxFlag xmlns:ma14="http://schemas.microsoft.com/office/mac/drawingml/2011/main" xmlns:a14="http://schemas.microsoft.com/office/drawing/2010/main" xmlns:m="http://schemas.openxmlformats.org/officeDocument/2006/math" xmlns="" val="1"/>
+              <ma14:wrappingTextBoxFlag xmlns="" xmlns:m="http://schemas.openxmlformats.org/officeDocument/2006/math" xmlns:a14="http://schemas.microsoft.com/office/drawing/2010/main" xmlns:ma14="http://schemas.microsoft.com/office/mac/drawingml/2011/main" val="1"/>
             </a:ext>
           </a:extLst>
         </p:spPr>
@@ -8700,7 +8700,7 @@
         <p:spPr>
           <a:xfrm>
             <a:off x="636201" y="3975100"/>
-            <a:ext cx="13371899" cy="3067506"/>
+            <a:ext cx="13371899" cy="3629199"/>
           </a:xfrm>
           <a:prstGeom prst="rect">
             <a:avLst/>
@@ -8710,7 +8710,7 @@
           </a:ln>
           <a:extLst>
             <a:ext uri="{C572A759-6A51-4108-AA02-DFA0A04FC94B}">
-              <ma14:wrappingTextBoxFlag xmlns="" xmlns:m="http://schemas.openxmlformats.org/officeDocument/2006/math" xmlns:a14="http://schemas.microsoft.com/office/drawing/2010/main" xmlns:ma14="http://schemas.microsoft.com/office/mac/drawingml/2011/main" val="1"/>
+              <ma14:wrappingTextBoxFlag xmlns:ma14="http://schemas.microsoft.com/office/mac/drawingml/2011/main" xmlns:a14="http://schemas.microsoft.com/office/drawing/2010/main" xmlns:m="http://schemas.openxmlformats.org/officeDocument/2006/math" xmlns="" val="1"/>
             </a:ext>
           </a:extLst>
         </p:spPr>
@@ -8878,6 +8878,27 @@
                 <a:cs typeface="Times New Roman" panose="02020603050405020304" pitchFamily="18" charset="0"/>
                 <a:hlinkClick r:id="rId7"/>
               </a:rPr>
+              <a:t>https://modelcontextprotocol.io/clients </a:t>
+            </a:r>
+            <a:r>
+              <a:rPr lang="en-US" b="1" kern="100" dirty="0">
+                <a:solidFill>
+                  <a:srgbClr val="FFFFFF"/>
+                </a:solidFill>
+                <a:ea typeface="Calibri" panose="020F0502020204030204" pitchFamily="34" charset="0"/>
+                <a:cs typeface="Times New Roman" panose="02020603050405020304" pitchFamily="18" charset="0"/>
+              </a:rPr>
+              <a:t> or </a:t>
+            </a:r>
+            <a:r>
+              <a:rPr lang="en-US" b="1" kern="100" dirty="0">
+                <a:solidFill>
+                  <a:srgbClr val="FFFFFF"/>
+                </a:solidFill>
+                <a:ea typeface="Calibri" panose="020F0502020204030204" pitchFamily="34" charset="0"/>
+                <a:cs typeface="Times New Roman" panose="02020603050405020304" pitchFamily="18" charset="0"/>
+                <a:hlinkClick r:id="rId8"/>
+              </a:rPr>
               <a:t>https://mcp.so/clients</a:t>
             </a:r>
             <a:endParaRPr lang="en-US" b="1" kern="100" dirty="0">
@@ -8933,9 +8954,46 @@
                 </a:solidFill>
                 <a:ea typeface="Calibri" panose="020F0502020204030204" pitchFamily="34" charset="0"/>
                 <a:cs typeface="Times New Roman" panose="02020603050405020304" pitchFamily="18" charset="0"/>
-                <a:hlinkClick r:id="rId8"/>
+                <a:hlinkClick r:id="rId9"/>
               </a:rPr>
               <a:t>https://github.com/modelcontextprotocol/csharp-sdk</a:t>
+            </a:r>
+            <a:endParaRPr lang="en-US" b="1" kern="100" dirty="0">
+              <a:solidFill>
+                <a:srgbClr val="FFFFFF"/>
+              </a:solidFill>
+              <a:ea typeface="Calibri" panose="020F0502020204030204" pitchFamily="34" charset="0"/>
+              <a:cs typeface="Times New Roman" panose="02020603050405020304" pitchFamily="18" charset="0"/>
+            </a:endParaRPr>
+          </a:p>
+          <a:p>
+            <a:pPr marL="360000" indent="-360000">
+              <a:buClr>
+                <a:srgbClr val="FF4230"/>
+              </a:buClr>
+              <a:buFont typeface="+mj-lt"/>
+              <a:buAutoNum type="arabicPeriod"/>
+            </a:pPr>
+            <a:r>
+              <a:rPr lang="en-US" b="1" kern="100" dirty="0">
+                <a:solidFill>
+                  <a:srgbClr val="FFFFFF"/>
+                </a:solidFill>
+                <a:ea typeface="Calibri" panose="020F0502020204030204" pitchFamily="34" charset="0"/>
+                <a:cs typeface="Times New Roman" panose="02020603050405020304" pitchFamily="18" charset="0"/>
+              </a:rPr>
+              <a:t>Microsoft MCP for beginners: </a:t>
+            </a:r>
+            <a:r>
+              <a:rPr lang="en-US" b="1" kern="100" dirty="0">
+                <a:solidFill>
+                  <a:srgbClr val="FFFFFF"/>
+                </a:solidFill>
+                <a:ea typeface="Calibri" panose="020F0502020204030204" pitchFamily="34" charset="0"/>
+                <a:cs typeface="Times New Roman" panose="02020603050405020304" pitchFamily="18" charset="0"/>
+                <a:hlinkClick r:id="rId10"/>
+              </a:rPr>
+              <a:t>https://github.com/microsoft/mcp-for-beginners</a:t>
             </a:r>
             <a:br>
               <a:rPr lang="en-US" b="1" kern="100" dirty="0">
@@ -9046,7 +9104,7 @@
           </a:prstGeom>
           <a:extLst>
             <a:ext uri="{C572A759-6A51-4108-AA02-DFA0A04FC94B}">
-              <ma14:wrappingTextBoxFlag xmlns:m="http://schemas.openxmlformats.org/officeDocument/2006/math" xmlns:a14="http://schemas.microsoft.com/office/drawing/2010/main" xmlns:ma14="http://schemas.microsoft.com/office/mac/drawingml/2011/main" xmlns="" val="1"/>
+              <ma14:wrappingTextBoxFlag xmlns="" xmlns:ma14="http://schemas.microsoft.com/office/mac/drawingml/2011/main" xmlns:a14="http://schemas.microsoft.com/office/drawing/2010/main" xmlns:m="http://schemas.openxmlformats.org/officeDocument/2006/math" val="1"/>
             </a:ext>
           </a:extLst>
         </p:spPr>
@@ -9081,7 +9139,7 @@
           </a:ln>
           <a:extLst>
             <a:ext uri="{C572A759-6A51-4108-AA02-DFA0A04FC94B}">
-              <ma14:wrappingTextBoxFlag xmlns:m="http://schemas.openxmlformats.org/officeDocument/2006/math" xmlns:a14="http://schemas.microsoft.com/office/drawing/2010/main" xmlns:ma14="http://schemas.microsoft.com/office/mac/drawingml/2011/main" xmlns="" val="1"/>
+              <ma14:wrappingTextBoxFlag xmlns="" xmlns:ma14="http://schemas.microsoft.com/office/mac/drawingml/2011/main" xmlns:a14="http://schemas.microsoft.com/office/drawing/2010/main" xmlns:m="http://schemas.openxmlformats.org/officeDocument/2006/math" val="1"/>
             </a:ext>
           </a:extLst>
         </p:spPr>
@@ -9561,7 +9619,7 @@
           </a:solidFill>
           <a:extLst>
             <a:ext uri="{C572A759-6A51-4108-AA02-DFA0A04FC94B}">
-              <ma14:wrappingTextBoxFlag xmlns:ma14="http://schemas.microsoft.com/office/mac/drawingml/2011/main" xmlns:a14="http://schemas.microsoft.com/office/drawing/2010/main" xmlns:m="http://schemas.openxmlformats.org/officeDocument/2006/math" xmlns="" val="1"/>
+              <ma14:wrappingTextBoxFlag xmlns="" xmlns:m="http://schemas.openxmlformats.org/officeDocument/2006/math" xmlns:a14="http://schemas.microsoft.com/office/drawing/2010/main" xmlns:ma14="http://schemas.microsoft.com/office/mac/drawingml/2011/main" val="1"/>
             </a:ext>
           </a:extLst>
         </p:spPr>
@@ -9643,7 +9701,7 @@
           </a:ln>
           <a:extLst>
             <a:ext uri="{C572A759-6A51-4108-AA02-DFA0A04FC94B}">
-              <ma14:wrappingTextBoxFlag xmlns:ma14="http://schemas.microsoft.com/office/mac/drawingml/2011/main" xmlns:a14="http://schemas.microsoft.com/office/drawing/2010/main" xmlns:m="http://schemas.openxmlformats.org/officeDocument/2006/math" xmlns="" val="1"/>
+              <ma14:wrappingTextBoxFlag xmlns="" xmlns:m="http://schemas.openxmlformats.org/officeDocument/2006/math" xmlns:a14="http://schemas.microsoft.com/office/drawing/2010/main" xmlns:ma14="http://schemas.microsoft.com/office/mac/drawingml/2011/main" val="1"/>
             </a:ext>
           </a:extLst>
         </p:spPr>
@@ -9713,7 +9771,7 @@
           </a:ln>
           <a:extLst>
             <a:ext uri="{C572A759-6A51-4108-AA02-DFA0A04FC94B}">
-              <ma14:wrappingTextBoxFlag xmlns="" xmlns:m="http://schemas.openxmlformats.org/officeDocument/2006/math" xmlns:a14="http://schemas.microsoft.com/office/drawing/2010/main" xmlns:ma14="http://schemas.microsoft.com/office/mac/drawingml/2011/main" val="1"/>
+              <ma14:wrappingTextBoxFlag xmlns:ma14="http://schemas.microsoft.com/office/mac/drawingml/2011/main" xmlns:a14="http://schemas.microsoft.com/office/drawing/2010/main" xmlns:m="http://schemas.openxmlformats.org/officeDocument/2006/math" xmlns="" val="1"/>
             </a:ext>
           </a:extLst>
         </p:spPr>
@@ -10019,7 +10077,7 @@
           </a:solidFill>
           <a:extLst>
             <a:ext uri="{C572A759-6A51-4108-AA02-DFA0A04FC94B}">
-              <ma14:wrappingTextBoxFlag xmlns:ma14="http://schemas.microsoft.com/office/mac/drawingml/2011/main" xmlns:a14="http://schemas.microsoft.com/office/drawing/2010/main" xmlns:m="http://schemas.openxmlformats.org/officeDocument/2006/math" xmlns="" val="1"/>
+              <ma14:wrappingTextBoxFlag xmlns="" xmlns:m="http://schemas.openxmlformats.org/officeDocument/2006/math" xmlns:a14="http://schemas.microsoft.com/office/drawing/2010/main" xmlns:ma14="http://schemas.microsoft.com/office/mac/drawingml/2011/main" val="1"/>
             </a:ext>
           </a:extLst>
         </p:spPr>
@@ -10101,7 +10159,7 @@
           </a:ln>
           <a:extLst>
             <a:ext uri="{C572A759-6A51-4108-AA02-DFA0A04FC94B}">
-              <ma14:wrappingTextBoxFlag xmlns:ma14="http://schemas.microsoft.com/office/mac/drawingml/2011/main" xmlns:a14="http://schemas.microsoft.com/office/drawing/2010/main" xmlns:m="http://schemas.openxmlformats.org/officeDocument/2006/math" xmlns="" val="1"/>
+              <ma14:wrappingTextBoxFlag xmlns="" xmlns:m="http://schemas.openxmlformats.org/officeDocument/2006/math" xmlns:a14="http://schemas.microsoft.com/office/drawing/2010/main" xmlns:ma14="http://schemas.microsoft.com/office/mac/drawingml/2011/main" val="1"/>
             </a:ext>
           </a:extLst>
         </p:spPr>
@@ -10171,7 +10229,7 @@
           </a:ln>
           <a:extLst>
             <a:ext uri="{C572A759-6A51-4108-AA02-DFA0A04FC94B}">
-              <ma14:wrappingTextBoxFlag xmlns="" xmlns:m="http://schemas.openxmlformats.org/officeDocument/2006/math" xmlns:a14="http://schemas.microsoft.com/office/drawing/2010/main" xmlns:ma14="http://schemas.microsoft.com/office/mac/drawingml/2011/main" val="1"/>
+              <ma14:wrappingTextBoxFlag xmlns:ma14="http://schemas.microsoft.com/office/mac/drawingml/2011/main" xmlns:a14="http://schemas.microsoft.com/office/drawing/2010/main" xmlns:m="http://schemas.openxmlformats.org/officeDocument/2006/math" xmlns="" val="1"/>
             </a:ext>
           </a:extLst>
         </p:spPr>
@@ -10387,7 +10445,7 @@
           </a:solidFill>
           <a:extLst>
             <a:ext uri="{C572A759-6A51-4108-AA02-DFA0A04FC94B}">
-              <ma14:wrappingTextBoxFlag xmlns:ma14="http://schemas.microsoft.com/office/mac/drawingml/2011/main" xmlns:a14="http://schemas.microsoft.com/office/drawing/2010/main" xmlns:m="http://schemas.openxmlformats.org/officeDocument/2006/math" xmlns="" val="1"/>
+              <ma14:wrappingTextBoxFlag xmlns="" xmlns:m="http://schemas.openxmlformats.org/officeDocument/2006/math" xmlns:a14="http://schemas.microsoft.com/office/drawing/2010/main" xmlns:ma14="http://schemas.microsoft.com/office/mac/drawingml/2011/main" val="1"/>
             </a:ext>
           </a:extLst>
         </p:spPr>
@@ -10469,7 +10527,7 @@
           </a:ln>
           <a:extLst>
             <a:ext uri="{C572A759-6A51-4108-AA02-DFA0A04FC94B}">
-              <ma14:wrappingTextBoxFlag xmlns:ma14="http://schemas.microsoft.com/office/mac/drawingml/2011/main" xmlns:a14="http://schemas.microsoft.com/office/drawing/2010/main" xmlns:m="http://schemas.openxmlformats.org/officeDocument/2006/math" xmlns="" val="1"/>
+              <ma14:wrappingTextBoxFlag xmlns="" xmlns:m="http://schemas.openxmlformats.org/officeDocument/2006/math" xmlns:a14="http://schemas.microsoft.com/office/drawing/2010/main" xmlns:ma14="http://schemas.microsoft.com/office/mac/drawingml/2011/main" val="1"/>
             </a:ext>
           </a:extLst>
         </p:spPr>
@@ -10539,7 +10597,7 @@
           </a:ln>
           <a:extLst>
             <a:ext uri="{C572A759-6A51-4108-AA02-DFA0A04FC94B}">
-              <ma14:wrappingTextBoxFlag xmlns="" xmlns:m="http://schemas.openxmlformats.org/officeDocument/2006/math" xmlns:a14="http://schemas.microsoft.com/office/drawing/2010/main" xmlns:ma14="http://schemas.microsoft.com/office/mac/drawingml/2011/main" val="1"/>
+              <ma14:wrappingTextBoxFlag xmlns:ma14="http://schemas.microsoft.com/office/mac/drawingml/2011/main" xmlns:a14="http://schemas.microsoft.com/office/drawing/2010/main" xmlns:m="http://schemas.openxmlformats.org/officeDocument/2006/math" xmlns="" val="1"/>
             </a:ext>
           </a:extLst>
         </p:spPr>
@@ -10814,7 +10872,7 @@
           </a:solidFill>
           <a:extLst>
             <a:ext uri="{C572A759-6A51-4108-AA02-DFA0A04FC94B}">
-              <ma14:wrappingTextBoxFlag xmlns:ma14="http://schemas.microsoft.com/office/mac/drawingml/2011/main" xmlns:a14="http://schemas.microsoft.com/office/drawing/2010/main" xmlns:m="http://schemas.openxmlformats.org/officeDocument/2006/math" xmlns="" val="1"/>
+              <ma14:wrappingTextBoxFlag xmlns="" xmlns:m="http://schemas.openxmlformats.org/officeDocument/2006/math" xmlns:a14="http://schemas.microsoft.com/office/drawing/2010/main" xmlns:ma14="http://schemas.microsoft.com/office/mac/drawingml/2011/main" val="1"/>
             </a:ext>
           </a:extLst>
         </p:spPr>
@@ -10896,7 +10954,7 @@
           </a:ln>
           <a:extLst>
             <a:ext uri="{C572A759-6A51-4108-AA02-DFA0A04FC94B}">
-              <ma14:wrappingTextBoxFlag xmlns:ma14="http://schemas.microsoft.com/office/mac/drawingml/2011/main" xmlns:a14="http://schemas.microsoft.com/office/drawing/2010/main" xmlns:m="http://schemas.openxmlformats.org/officeDocument/2006/math" xmlns="" val="1"/>
+              <ma14:wrappingTextBoxFlag xmlns="" xmlns:m="http://schemas.openxmlformats.org/officeDocument/2006/math" xmlns:a14="http://schemas.microsoft.com/office/drawing/2010/main" xmlns:ma14="http://schemas.microsoft.com/office/mac/drawingml/2011/main" val="1"/>
             </a:ext>
           </a:extLst>
         </p:spPr>
@@ -10966,7 +11024,7 @@
           </a:ln>
           <a:extLst>
             <a:ext uri="{C572A759-6A51-4108-AA02-DFA0A04FC94B}">
-              <ma14:wrappingTextBoxFlag xmlns="" xmlns:m="http://schemas.openxmlformats.org/officeDocument/2006/math" xmlns:a14="http://schemas.microsoft.com/office/drawing/2010/main" xmlns:ma14="http://schemas.microsoft.com/office/mac/drawingml/2011/main" val="1"/>
+              <ma14:wrappingTextBoxFlag xmlns:ma14="http://schemas.microsoft.com/office/mac/drawingml/2011/main" xmlns:a14="http://schemas.microsoft.com/office/drawing/2010/main" xmlns:m="http://schemas.openxmlformats.org/officeDocument/2006/math" xmlns="" val="1"/>
             </a:ext>
           </a:extLst>
         </p:spPr>
@@ -11201,7 +11259,7 @@
           </a:solidFill>
           <a:extLst>
             <a:ext uri="{C572A759-6A51-4108-AA02-DFA0A04FC94B}">
-              <ma14:wrappingTextBoxFlag xmlns:ma14="http://schemas.microsoft.com/office/mac/drawingml/2011/main" xmlns:a14="http://schemas.microsoft.com/office/drawing/2010/main" xmlns:m="http://schemas.openxmlformats.org/officeDocument/2006/math" xmlns="" val="1"/>
+              <ma14:wrappingTextBoxFlag xmlns="" xmlns:m="http://schemas.openxmlformats.org/officeDocument/2006/math" xmlns:a14="http://schemas.microsoft.com/office/drawing/2010/main" xmlns:ma14="http://schemas.microsoft.com/office/mac/drawingml/2011/main" val="1"/>
             </a:ext>
           </a:extLst>
         </p:spPr>
@@ -11283,7 +11341,7 @@
           </a:ln>
           <a:extLst>
             <a:ext uri="{C572A759-6A51-4108-AA02-DFA0A04FC94B}">
-              <ma14:wrappingTextBoxFlag xmlns:ma14="http://schemas.microsoft.com/office/mac/drawingml/2011/main" xmlns:a14="http://schemas.microsoft.com/office/drawing/2010/main" xmlns:m="http://schemas.openxmlformats.org/officeDocument/2006/math" xmlns="" val="1"/>
+              <ma14:wrappingTextBoxFlag xmlns="" xmlns:m="http://schemas.openxmlformats.org/officeDocument/2006/math" xmlns:a14="http://schemas.microsoft.com/office/drawing/2010/main" xmlns:ma14="http://schemas.microsoft.com/office/mac/drawingml/2011/main" val="1"/>
             </a:ext>
           </a:extLst>
         </p:spPr>
@@ -11343,7 +11401,7 @@
         <p:spPr>
           <a:xfrm>
             <a:off x="636201" y="3975100"/>
-            <a:ext cx="13371899" cy="3067506"/>
+            <a:ext cx="13371899" cy="4175502"/>
           </a:xfrm>
           <a:prstGeom prst="rect">
             <a:avLst/>
@@ -11353,7 +11411,7 @@
           </a:ln>
           <a:extLst>
             <a:ext uri="{C572A759-6A51-4108-AA02-DFA0A04FC94B}">
-              <ma14:wrappingTextBoxFlag xmlns="" xmlns:m="http://schemas.openxmlformats.org/officeDocument/2006/math" xmlns:a14="http://schemas.microsoft.com/office/drawing/2010/main" xmlns:ma14="http://schemas.microsoft.com/office/mac/drawingml/2011/main" val="1"/>
+              <ma14:wrappingTextBoxFlag xmlns:ma14="http://schemas.microsoft.com/office/mac/drawingml/2011/main" xmlns:a14="http://schemas.microsoft.com/office/drawing/2010/main" xmlns:m="http://schemas.openxmlformats.org/officeDocument/2006/math" xmlns="" val="1"/>
             </a:ext>
           </a:extLst>
         </p:spPr>
@@ -11370,6 +11428,52 @@
                 </a:solidFill>
               </a:rPr>
               <a:t>Reasoning + Tools</a:t>
+            </a:r>
+            <a:br>
+              <a:rPr lang="en-US" dirty="0">
+                <a:solidFill>
+                  <a:srgbClr val="FFFFFF"/>
+                </a:solidFill>
+              </a:rPr>
+            </a:br>
+            <a:r>
+              <a:rPr lang="en-US" dirty="0">
+                <a:solidFill>
+                  <a:srgbClr val="FFFFFF"/>
+                </a:solidFill>
+              </a:rPr>
+              <a:t>Systems where large language models (LLMs) dynamically direct their</a:t>
+            </a:r>
+            <a:br>
+              <a:rPr lang="en-US" dirty="0">
+                <a:solidFill>
+                  <a:srgbClr val="FFFFFF"/>
+                </a:solidFill>
+              </a:rPr>
+            </a:br>
+            <a:r>
+              <a:rPr lang="en-US" dirty="0">
+                <a:solidFill>
+                  <a:srgbClr val="FFFFFF"/>
+                </a:solidFill>
+              </a:rPr>
+              <a:t>own processes and tool usage, maintaining control over how they accomplish tasks</a:t>
+            </a:r>
+            <a:br>
+              <a:rPr lang="en-US" dirty="0">
+                <a:solidFill>
+                  <a:srgbClr val="FFFFFF"/>
+                </a:solidFill>
+              </a:rPr>
+            </a:br>
+            <a:r>
+              <a:rPr lang="en-US" dirty="0">
+                <a:solidFill>
+                  <a:srgbClr val="FFFFFF"/>
+                </a:solidFill>
+                <a:hlinkClick r:id="rId3"/>
+              </a:rPr>
+              <a:t>https://www.anthropic.com/engineering/building-effective-agents</a:t>
             </a:r>
             <a:endParaRPr lang="en-RO" dirty="0">
               <a:solidFill>
@@ -11509,15 +11613,45 @@
           <p:nvPr/>
         </p:nvPicPr>
         <p:blipFill>
-          <a:blip r:embed="rId3"/>
+          <a:blip r:embed="rId4"/>
           <a:stretch>
             <a:fillRect/>
           </a:stretch>
         </p:blipFill>
         <p:spPr>
           <a:xfrm>
-            <a:off x="11314494" y="4147751"/>
+            <a:off x="11604131" y="4147751"/>
             <a:ext cx="12029542" cy="5420497"/>
+          </a:xfrm>
+          <a:prstGeom prst="rect">
+            <a:avLst/>
+          </a:prstGeom>
+        </p:spPr>
+      </p:pic>
+      <p:pic>
+        <p:nvPicPr>
+          <p:cNvPr id="5" name="Picture 4" descr="A diagram of a computer process&#10;&#10;AI-generated content may be incorrect.">
+            <a:extLst>
+              <a:ext uri="{FF2B5EF4-FFF2-40B4-BE49-F238E27FC236}">
+                <a16:creationId xmlns:a16="http://schemas.microsoft.com/office/drawing/2014/main" id="{F7E5FDB6-C764-52B6-3019-14D9E7178654}"/>
+              </a:ext>
+            </a:extLst>
+          </p:cNvPr>
+          <p:cNvPicPr>
+            <a:picLocks noChangeAspect="1"/>
+          </p:cNvPicPr>
+          <p:nvPr/>
+        </p:nvPicPr>
+        <p:blipFill>
+          <a:blip r:embed="rId5"/>
+          <a:stretch>
+            <a:fillRect/>
+          </a:stretch>
+        </p:blipFill>
+        <p:spPr>
+          <a:xfrm>
+            <a:off x="1998335" y="8407373"/>
+            <a:ext cx="8243662" cy="4581574"/>
           </a:xfrm>
           <a:prstGeom prst="rect">
             <a:avLst/>
@@ -13974,15 +14108,6 @@
 </file>
 
 <file path=customXml/item1.xml><?xml version="1.0" encoding="utf-8"?>
-<?mso-contentType ?>
-<FormTemplates xmlns="http://schemas.microsoft.com/sharepoint/v3/contenttype/forms">
-  <Display>DocumentLibraryForm</Display>
-  <Edit>DocumentLibraryForm</Edit>
-  <New>DocumentLibraryForm</New>
-</FormTemplates>
-</file>
-
-<file path=customXml/item2.xml><?xml version="1.0" encoding="utf-8"?>
 <p:properties xmlns:p="http://schemas.microsoft.com/office/2006/metadata/properties" xmlns:xsi="http://www.w3.org/2001/XMLSchema-instance" xmlns:pc="http://schemas.microsoft.com/office/infopath/2007/PartnerControls">
   <documentManagement>
     <lcf76f155ced4ddcb4097134ff3c332f xmlns="d2f16b87-0624-477d-ba0a-750d221ab23c">
@@ -13991,6 +14116,15 @@
     <TaxCatchAll xmlns="8168535b-5d60-42ad-a65e-bf2e941e3ec4" xsi:nil="true"/>
   </documentManagement>
 </p:properties>
+</file>
+
+<file path=customXml/item2.xml><?xml version="1.0" encoding="utf-8"?>
+<?mso-contentType ?>
+<FormTemplates xmlns="http://schemas.microsoft.com/sharepoint/v3/contenttype/forms">
+  <Display>DocumentLibraryForm</Display>
+  <Edit>DocumentLibraryForm</Edit>
+  <New>DocumentLibraryForm</New>
+</FormTemplates>
 </file>
 
 <file path=customXml/item3.xml><?xml version="1.0" encoding="utf-8"?>
@@ -14189,20 +14323,20 @@
 </file>
 
 <file path=customXml/itemProps1.xml><?xml version="1.0" encoding="utf-8"?>
-<ds:datastoreItem xmlns:ds="http://schemas.openxmlformats.org/officeDocument/2006/customXml" ds:itemID="{154546E5-6158-445B-86FA-D0CB17A6BF05}">
-  <ds:schemaRefs>
-    <ds:schemaRef ds:uri="http://schemas.microsoft.com/sharepoint/v3/contenttype/forms"/>
-  </ds:schemaRefs>
-</ds:datastoreItem>
-</file>
-
-<file path=customXml/itemProps2.xml><?xml version="1.0" encoding="utf-8"?>
 <ds:datastoreItem xmlns:ds="http://schemas.openxmlformats.org/officeDocument/2006/customXml" ds:itemID="{2F3AC3B7-1DF3-4C6B-ACF9-D9E0163D9FAF}">
   <ds:schemaRefs>
     <ds:schemaRef ds:uri="http://schemas.microsoft.com/office/2006/metadata/properties"/>
     <ds:schemaRef ds:uri="http://schemas.microsoft.com/office/infopath/2007/PartnerControls"/>
     <ds:schemaRef ds:uri="d2f16b87-0624-477d-ba0a-750d221ab23c"/>
     <ds:schemaRef ds:uri="8168535b-5d60-42ad-a65e-bf2e941e3ec4"/>
+  </ds:schemaRefs>
+</ds:datastoreItem>
+</file>
+
+<file path=customXml/itemProps2.xml><?xml version="1.0" encoding="utf-8"?>
+<ds:datastoreItem xmlns:ds="http://schemas.openxmlformats.org/officeDocument/2006/customXml" ds:itemID="{154546E5-6158-445B-86FA-D0CB17A6BF05}">
+  <ds:schemaRefs>
+    <ds:schemaRef ds:uri="http://schemas.microsoft.com/sharepoint/v3/contenttype/forms"/>
   </ds:schemaRefs>
 </ds:datastoreItem>
 </file>
